--- a/ppt 16-9/1126.儆醒等候.pptx
+++ b/ppt 16-9/1126.儆醒等候.pptx
@@ -5,7 +5,7 @@
     <p:sldMasterId id="2147483648" r:id="rId1"/>
   </p:sldMasterIdLst>
   <p:sldIdLst>
-    <p:sldId id="608" r:id="rId2"/>
+    <p:sldId id="609" r:id="rId2"/>
   </p:sldIdLst>
   <p:sldSz cx="12192000" cy="6858000"/>
   <p:notesSz cx="6858000" cy="9144000"/>
@@ -129,7 +129,7 @@
           <p:cNvPr id="2" name="标题 1">
             <a:extLst>
               <a:ext uri="{FF2B5EF4-FFF2-40B4-BE49-F238E27FC236}">
-                <a16:creationId xmlns:a16="http://schemas.microsoft.com/office/drawing/2014/main" id="{F3A2105C-1543-321C-4754-3C02A192D87B}"/>
+                <a16:creationId xmlns:a16="http://schemas.microsoft.com/office/drawing/2014/main" id="{8CAC40FF-CD38-B984-F970-B99B42AD8782}"/>
               </a:ext>
             </a:extLst>
           </p:cNvPr>
@@ -166,7 +166,7 @@
           <p:cNvPr id="3" name="副标题 2">
             <a:extLst>
               <a:ext uri="{FF2B5EF4-FFF2-40B4-BE49-F238E27FC236}">
-                <a16:creationId xmlns:a16="http://schemas.microsoft.com/office/drawing/2014/main" id="{88B3E3B5-70D3-49F0-4809-29D121FA97A8}"/>
+                <a16:creationId xmlns:a16="http://schemas.microsoft.com/office/drawing/2014/main" id="{8ACDBABB-DB69-9C86-7598-E4F55208B394}"/>
               </a:ext>
             </a:extLst>
           </p:cNvPr>
@@ -236,7 +236,7 @@
           <p:cNvPr id="4" name="日期占位符 3">
             <a:extLst>
               <a:ext uri="{FF2B5EF4-FFF2-40B4-BE49-F238E27FC236}">
-                <a16:creationId xmlns:a16="http://schemas.microsoft.com/office/drawing/2014/main" id="{B672934F-88EF-1E33-873E-BF0EF506A0BD}"/>
+                <a16:creationId xmlns:a16="http://schemas.microsoft.com/office/drawing/2014/main" id="{AB75D763-827D-AAE4-5276-A023B3420DE7}"/>
               </a:ext>
             </a:extLst>
           </p:cNvPr>
@@ -252,7 +252,7 @@
           <a:bodyPr/>
           <a:lstStyle/>
           <a:p>
-            <a:fld id="{0A43ACEA-7278-447F-A545-D4DE31A6F755}" type="datetimeFigureOut">
+            <a:fld id="{013A9AF9-565B-4354-8E0D-62D7F3E1D683}" type="datetimeFigureOut">
               <a:rPr lang="zh-CN" altLang="en-US" smtClean="0"/>
               <a:t>2024/3/10</a:t>
             </a:fld>
@@ -265,7 +265,7 @@
           <p:cNvPr id="5" name="页脚占位符 4">
             <a:extLst>
               <a:ext uri="{FF2B5EF4-FFF2-40B4-BE49-F238E27FC236}">
-                <a16:creationId xmlns:a16="http://schemas.microsoft.com/office/drawing/2014/main" id="{6EA4153A-A1A2-ADAD-095A-641D7830FADF}"/>
+                <a16:creationId xmlns:a16="http://schemas.microsoft.com/office/drawing/2014/main" id="{D6EADB24-FA4F-1E02-65D0-D33C3890D8D9}"/>
               </a:ext>
             </a:extLst>
           </p:cNvPr>
@@ -290,7 +290,7 @@
           <p:cNvPr id="6" name="灯片编号占位符 5">
             <a:extLst>
               <a:ext uri="{FF2B5EF4-FFF2-40B4-BE49-F238E27FC236}">
-                <a16:creationId xmlns:a16="http://schemas.microsoft.com/office/drawing/2014/main" id="{5E143E34-45F3-8508-A24F-D2823C532357}"/>
+                <a16:creationId xmlns:a16="http://schemas.microsoft.com/office/drawing/2014/main" id="{8CC5A601-AD88-BF5D-A669-01AFE4D30C35}"/>
               </a:ext>
             </a:extLst>
           </p:cNvPr>
@@ -306,7 +306,7 @@
           <a:bodyPr/>
           <a:lstStyle/>
           <a:p>
-            <a:fld id="{B729146F-F417-45AF-9227-066106355041}" type="slidenum">
+            <a:fld id="{823BE730-7352-44D8-922F-9E23EC614431}" type="slidenum">
               <a:rPr lang="zh-CN" altLang="en-US" smtClean="0"/>
               <a:t>‹#›</a:t>
             </a:fld>
@@ -317,7 +317,7 @@
     </p:spTree>
     <p:extLst>
       <p:ext uri="{BB962C8B-B14F-4D97-AF65-F5344CB8AC3E}">
-        <p14:creationId xmlns:p14="http://schemas.microsoft.com/office/powerpoint/2010/main" val="264651148"/>
+        <p14:creationId xmlns:p14="http://schemas.microsoft.com/office/powerpoint/2010/main" val="1314517761"/>
       </p:ext>
     </p:extLst>
   </p:cSld>
@@ -349,7 +349,7 @@
           <p:cNvPr id="2" name="标题 1">
             <a:extLst>
               <a:ext uri="{FF2B5EF4-FFF2-40B4-BE49-F238E27FC236}">
-                <a16:creationId xmlns:a16="http://schemas.microsoft.com/office/drawing/2014/main" id="{2A5743D9-18BD-C0D9-2AE1-9597DBA78370}"/>
+                <a16:creationId xmlns:a16="http://schemas.microsoft.com/office/drawing/2014/main" id="{80293223-BEDF-35FE-1BC6-75E8E9A43F12}"/>
               </a:ext>
             </a:extLst>
           </p:cNvPr>
@@ -377,7 +377,7 @@
           <p:cNvPr id="3" name="竖排文字占位符 2">
             <a:extLst>
               <a:ext uri="{FF2B5EF4-FFF2-40B4-BE49-F238E27FC236}">
-                <a16:creationId xmlns:a16="http://schemas.microsoft.com/office/drawing/2014/main" id="{6BC87B03-828C-7322-E296-089A34C9B89F}"/>
+                <a16:creationId xmlns:a16="http://schemas.microsoft.com/office/drawing/2014/main" id="{D47F6C8C-857B-B823-6D2F-011AAE97A63D}"/>
               </a:ext>
             </a:extLst>
           </p:cNvPr>
@@ -434,7 +434,7 @@
           <p:cNvPr id="4" name="日期占位符 3">
             <a:extLst>
               <a:ext uri="{FF2B5EF4-FFF2-40B4-BE49-F238E27FC236}">
-                <a16:creationId xmlns:a16="http://schemas.microsoft.com/office/drawing/2014/main" id="{F2B909E7-0548-8094-4EF3-973D897FD18E}"/>
+                <a16:creationId xmlns:a16="http://schemas.microsoft.com/office/drawing/2014/main" id="{001C69BD-08EA-A71B-23E1-91C16A33917A}"/>
               </a:ext>
             </a:extLst>
           </p:cNvPr>
@@ -450,7 +450,7 @@
           <a:bodyPr/>
           <a:lstStyle/>
           <a:p>
-            <a:fld id="{0A43ACEA-7278-447F-A545-D4DE31A6F755}" type="datetimeFigureOut">
+            <a:fld id="{013A9AF9-565B-4354-8E0D-62D7F3E1D683}" type="datetimeFigureOut">
               <a:rPr lang="zh-CN" altLang="en-US" smtClean="0"/>
               <a:t>2024/3/10</a:t>
             </a:fld>
@@ -463,7 +463,7 @@
           <p:cNvPr id="5" name="页脚占位符 4">
             <a:extLst>
               <a:ext uri="{FF2B5EF4-FFF2-40B4-BE49-F238E27FC236}">
-                <a16:creationId xmlns:a16="http://schemas.microsoft.com/office/drawing/2014/main" id="{A299CC17-CBF5-9CEE-AE01-9930EF064EC6}"/>
+                <a16:creationId xmlns:a16="http://schemas.microsoft.com/office/drawing/2014/main" id="{B9A41065-B94C-6B9F-FC6C-A8D53E071050}"/>
               </a:ext>
             </a:extLst>
           </p:cNvPr>
@@ -488,7 +488,7 @@
           <p:cNvPr id="6" name="灯片编号占位符 5">
             <a:extLst>
               <a:ext uri="{FF2B5EF4-FFF2-40B4-BE49-F238E27FC236}">
-                <a16:creationId xmlns:a16="http://schemas.microsoft.com/office/drawing/2014/main" id="{C7EADF89-471B-7362-6616-715D91EB3DD4}"/>
+                <a16:creationId xmlns:a16="http://schemas.microsoft.com/office/drawing/2014/main" id="{29D8FFB6-0664-DA63-9BE1-661F0D94CD8D}"/>
               </a:ext>
             </a:extLst>
           </p:cNvPr>
@@ -504,7 +504,7 @@
           <a:bodyPr/>
           <a:lstStyle/>
           <a:p>
-            <a:fld id="{B729146F-F417-45AF-9227-066106355041}" type="slidenum">
+            <a:fld id="{823BE730-7352-44D8-922F-9E23EC614431}" type="slidenum">
               <a:rPr lang="zh-CN" altLang="en-US" smtClean="0"/>
               <a:t>‹#›</a:t>
             </a:fld>
@@ -515,7 +515,7 @@
     </p:spTree>
     <p:extLst>
       <p:ext uri="{BB962C8B-B14F-4D97-AF65-F5344CB8AC3E}">
-        <p14:creationId xmlns:p14="http://schemas.microsoft.com/office/powerpoint/2010/main" val="3018120678"/>
+        <p14:creationId xmlns:p14="http://schemas.microsoft.com/office/powerpoint/2010/main" val="3688348113"/>
       </p:ext>
     </p:extLst>
   </p:cSld>
@@ -547,7 +547,7 @@
           <p:cNvPr id="2" name="竖排标题 1">
             <a:extLst>
               <a:ext uri="{FF2B5EF4-FFF2-40B4-BE49-F238E27FC236}">
-                <a16:creationId xmlns:a16="http://schemas.microsoft.com/office/drawing/2014/main" id="{2DB719CC-070A-E9A4-9E64-F13F163BA659}"/>
+                <a16:creationId xmlns:a16="http://schemas.microsoft.com/office/drawing/2014/main" id="{3BCE5688-EFD3-99E9-F54A-20840F779F79}"/>
               </a:ext>
             </a:extLst>
           </p:cNvPr>
@@ -580,7 +580,7 @@
           <p:cNvPr id="3" name="竖排文字占位符 2">
             <a:extLst>
               <a:ext uri="{FF2B5EF4-FFF2-40B4-BE49-F238E27FC236}">
-                <a16:creationId xmlns:a16="http://schemas.microsoft.com/office/drawing/2014/main" id="{66F8C73A-C831-FF4C-1486-BD2E07453BAE}"/>
+                <a16:creationId xmlns:a16="http://schemas.microsoft.com/office/drawing/2014/main" id="{99AF58F4-E58C-7758-0B4A-954A4234921D}"/>
               </a:ext>
             </a:extLst>
           </p:cNvPr>
@@ -642,7 +642,7 @@
           <p:cNvPr id="4" name="日期占位符 3">
             <a:extLst>
               <a:ext uri="{FF2B5EF4-FFF2-40B4-BE49-F238E27FC236}">
-                <a16:creationId xmlns:a16="http://schemas.microsoft.com/office/drawing/2014/main" id="{04BE93A1-DE2F-CA8E-C11E-0CB3FC55358B}"/>
+                <a16:creationId xmlns:a16="http://schemas.microsoft.com/office/drawing/2014/main" id="{9D5AB739-9D1B-241D-65EF-A7FFF11AA298}"/>
               </a:ext>
             </a:extLst>
           </p:cNvPr>
@@ -658,7 +658,7 @@
           <a:bodyPr/>
           <a:lstStyle/>
           <a:p>
-            <a:fld id="{0A43ACEA-7278-447F-A545-D4DE31A6F755}" type="datetimeFigureOut">
+            <a:fld id="{013A9AF9-565B-4354-8E0D-62D7F3E1D683}" type="datetimeFigureOut">
               <a:rPr lang="zh-CN" altLang="en-US" smtClean="0"/>
               <a:t>2024/3/10</a:t>
             </a:fld>
@@ -671,7 +671,7 @@
           <p:cNvPr id="5" name="页脚占位符 4">
             <a:extLst>
               <a:ext uri="{FF2B5EF4-FFF2-40B4-BE49-F238E27FC236}">
-                <a16:creationId xmlns:a16="http://schemas.microsoft.com/office/drawing/2014/main" id="{A4C5F885-3D80-1733-3B8D-2871CE5507C5}"/>
+                <a16:creationId xmlns:a16="http://schemas.microsoft.com/office/drawing/2014/main" id="{01EF79C2-8363-2732-A3F4-2AB25FD73040}"/>
               </a:ext>
             </a:extLst>
           </p:cNvPr>
@@ -696,7 +696,7 @@
           <p:cNvPr id="6" name="灯片编号占位符 5">
             <a:extLst>
               <a:ext uri="{FF2B5EF4-FFF2-40B4-BE49-F238E27FC236}">
-                <a16:creationId xmlns:a16="http://schemas.microsoft.com/office/drawing/2014/main" id="{BC77B0CD-09A6-E830-B82A-CEC84FA1837F}"/>
+                <a16:creationId xmlns:a16="http://schemas.microsoft.com/office/drawing/2014/main" id="{7C86BD9D-7AEE-00DB-2BC7-C720BB71DA0F}"/>
               </a:ext>
             </a:extLst>
           </p:cNvPr>
@@ -712,7 +712,7 @@
           <a:bodyPr/>
           <a:lstStyle/>
           <a:p>
-            <a:fld id="{B729146F-F417-45AF-9227-066106355041}" type="slidenum">
+            <a:fld id="{823BE730-7352-44D8-922F-9E23EC614431}" type="slidenum">
               <a:rPr lang="zh-CN" altLang="en-US" smtClean="0"/>
               <a:t>‹#›</a:t>
             </a:fld>
@@ -723,7 +723,7 @@
     </p:spTree>
     <p:extLst>
       <p:ext uri="{BB962C8B-B14F-4D97-AF65-F5344CB8AC3E}">
-        <p14:creationId xmlns:p14="http://schemas.microsoft.com/office/powerpoint/2010/main" val="1464390755"/>
+        <p14:creationId xmlns:p14="http://schemas.microsoft.com/office/powerpoint/2010/main" val="1438383631"/>
       </p:ext>
     </p:extLst>
   </p:cSld>
@@ -755,7 +755,7 @@
           <p:cNvPr id="2" name="标题 1">
             <a:extLst>
               <a:ext uri="{FF2B5EF4-FFF2-40B4-BE49-F238E27FC236}">
-                <a16:creationId xmlns:a16="http://schemas.microsoft.com/office/drawing/2014/main" id="{46DBE10F-E9E5-6CAF-757F-CFACD52F6973}"/>
+                <a16:creationId xmlns:a16="http://schemas.microsoft.com/office/drawing/2014/main" id="{DC938F57-2F9D-BCA1-E213-EA160091EBA8}"/>
               </a:ext>
             </a:extLst>
           </p:cNvPr>
@@ -783,7 +783,7 @@
           <p:cNvPr id="3" name="内容占位符 2">
             <a:extLst>
               <a:ext uri="{FF2B5EF4-FFF2-40B4-BE49-F238E27FC236}">
-                <a16:creationId xmlns:a16="http://schemas.microsoft.com/office/drawing/2014/main" id="{C5ACA8E5-71C5-565A-1D14-FB7A9A0BF7F5}"/>
+                <a16:creationId xmlns:a16="http://schemas.microsoft.com/office/drawing/2014/main" id="{8FD5E34F-8EEC-B93C-1111-EA20A8FC2624}"/>
               </a:ext>
             </a:extLst>
           </p:cNvPr>
@@ -840,7 +840,7 @@
           <p:cNvPr id="4" name="日期占位符 3">
             <a:extLst>
               <a:ext uri="{FF2B5EF4-FFF2-40B4-BE49-F238E27FC236}">
-                <a16:creationId xmlns:a16="http://schemas.microsoft.com/office/drawing/2014/main" id="{97A9E2B0-D36E-38BB-593A-D05A6EEAA8D8}"/>
+                <a16:creationId xmlns:a16="http://schemas.microsoft.com/office/drawing/2014/main" id="{0D55125E-2A22-8E3E-BE3D-2D74218E3A4F}"/>
               </a:ext>
             </a:extLst>
           </p:cNvPr>
@@ -856,7 +856,7 @@
           <a:bodyPr/>
           <a:lstStyle/>
           <a:p>
-            <a:fld id="{0A43ACEA-7278-447F-A545-D4DE31A6F755}" type="datetimeFigureOut">
+            <a:fld id="{013A9AF9-565B-4354-8E0D-62D7F3E1D683}" type="datetimeFigureOut">
               <a:rPr lang="zh-CN" altLang="en-US" smtClean="0"/>
               <a:t>2024/3/10</a:t>
             </a:fld>
@@ -869,7 +869,7 @@
           <p:cNvPr id="5" name="页脚占位符 4">
             <a:extLst>
               <a:ext uri="{FF2B5EF4-FFF2-40B4-BE49-F238E27FC236}">
-                <a16:creationId xmlns:a16="http://schemas.microsoft.com/office/drawing/2014/main" id="{E77DE6D0-F936-3995-F7B5-A5F87D13B7F2}"/>
+                <a16:creationId xmlns:a16="http://schemas.microsoft.com/office/drawing/2014/main" id="{812570E0-5A4C-6B0E-017E-B5261C622EFF}"/>
               </a:ext>
             </a:extLst>
           </p:cNvPr>
@@ -894,7 +894,7 @@
           <p:cNvPr id="6" name="灯片编号占位符 5">
             <a:extLst>
               <a:ext uri="{FF2B5EF4-FFF2-40B4-BE49-F238E27FC236}">
-                <a16:creationId xmlns:a16="http://schemas.microsoft.com/office/drawing/2014/main" id="{7F8BA33E-C4F5-50FD-869A-2C006401D573}"/>
+                <a16:creationId xmlns:a16="http://schemas.microsoft.com/office/drawing/2014/main" id="{079B17D8-13AB-DEE1-250E-C09301CE81BF}"/>
               </a:ext>
             </a:extLst>
           </p:cNvPr>
@@ -910,7 +910,7 @@
           <a:bodyPr/>
           <a:lstStyle/>
           <a:p>
-            <a:fld id="{B729146F-F417-45AF-9227-066106355041}" type="slidenum">
+            <a:fld id="{823BE730-7352-44D8-922F-9E23EC614431}" type="slidenum">
               <a:rPr lang="zh-CN" altLang="en-US" smtClean="0"/>
               <a:t>‹#›</a:t>
             </a:fld>
@@ -921,7 +921,7 @@
     </p:spTree>
     <p:extLst>
       <p:ext uri="{BB962C8B-B14F-4D97-AF65-F5344CB8AC3E}">
-        <p14:creationId xmlns:p14="http://schemas.microsoft.com/office/powerpoint/2010/main" val="930095045"/>
+        <p14:creationId xmlns:p14="http://schemas.microsoft.com/office/powerpoint/2010/main" val="885006553"/>
       </p:ext>
     </p:extLst>
   </p:cSld>
@@ -953,7 +953,7 @@
           <p:cNvPr id="2" name="标题 1">
             <a:extLst>
               <a:ext uri="{FF2B5EF4-FFF2-40B4-BE49-F238E27FC236}">
-                <a16:creationId xmlns:a16="http://schemas.microsoft.com/office/drawing/2014/main" id="{6AA396DB-B383-8D37-BDBC-068F6D41D520}"/>
+                <a16:creationId xmlns:a16="http://schemas.microsoft.com/office/drawing/2014/main" id="{22FA566C-F559-7FE6-9DA7-E204009B10FB}"/>
               </a:ext>
             </a:extLst>
           </p:cNvPr>
@@ -990,7 +990,7 @@
           <p:cNvPr id="3" name="文本占位符 2">
             <a:extLst>
               <a:ext uri="{FF2B5EF4-FFF2-40B4-BE49-F238E27FC236}">
-                <a16:creationId xmlns:a16="http://schemas.microsoft.com/office/drawing/2014/main" id="{E8CCB03D-0A55-5B36-AD3E-D6423B9C8024}"/>
+                <a16:creationId xmlns:a16="http://schemas.microsoft.com/office/drawing/2014/main" id="{8D1E1788-F87D-A106-786D-2443FC5B12F2}"/>
               </a:ext>
             </a:extLst>
           </p:cNvPr>
@@ -1115,7 +1115,7 @@
           <p:cNvPr id="4" name="日期占位符 3">
             <a:extLst>
               <a:ext uri="{FF2B5EF4-FFF2-40B4-BE49-F238E27FC236}">
-                <a16:creationId xmlns:a16="http://schemas.microsoft.com/office/drawing/2014/main" id="{2958F95A-8F85-0FDD-4FC7-B0EE904513C3}"/>
+                <a16:creationId xmlns:a16="http://schemas.microsoft.com/office/drawing/2014/main" id="{168CA523-68C5-B35F-2D92-3E6AAF2998D5}"/>
               </a:ext>
             </a:extLst>
           </p:cNvPr>
@@ -1131,7 +1131,7 @@
           <a:bodyPr/>
           <a:lstStyle/>
           <a:p>
-            <a:fld id="{0A43ACEA-7278-447F-A545-D4DE31A6F755}" type="datetimeFigureOut">
+            <a:fld id="{013A9AF9-565B-4354-8E0D-62D7F3E1D683}" type="datetimeFigureOut">
               <a:rPr lang="zh-CN" altLang="en-US" smtClean="0"/>
               <a:t>2024/3/10</a:t>
             </a:fld>
@@ -1144,7 +1144,7 @@
           <p:cNvPr id="5" name="页脚占位符 4">
             <a:extLst>
               <a:ext uri="{FF2B5EF4-FFF2-40B4-BE49-F238E27FC236}">
-                <a16:creationId xmlns:a16="http://schemas.microsoft.com/office/drawing/2014/main" id="{B2EA753F-4931-8E73-D228-FCC5D5E18241}"/>
+                <a16:creationId xmlns:a16="http://schemas.microsoft.com/office/drawing/2014/main" id="{B789ED95-845B-2B9E-D918-C5D59CD9347E}"/>
               </a:ext>
             </a:extLst>
           </p:cNvPr>
@@ -1169,7 +1169,7 @@
           <p:cNvPr id="6" name="灯片编号占位符 5">
             <a:extLst>
               <a:ext uri="{FF2B5EF4-FFF2-40B4-BE49-F238E27FC236}">
-                <a16:creationId xmlns:a16="http://schemas.microsoft.com/office/drawing/2014/main" id="{ED00685C-BCDD-CBD0-0032-6B6D4A02C095}"/>
+                <a16:creationId xmlns:a16="http://schemas.microsoft.com/office/drawing/2014/main" id="{1F541DE4-AFEA-D03B-9589-1B66E691F4EE}"/>
               </a:ext>
             </a:extLst>
           </p:cNvPr>
@@ -1185,7 +1185,7 @@
           <a:bodyPr/>
           <a:lstStyle/>
           <a:p>
-            <a:fld id="{B729146F-F417-45AF-9227-066106355041}" type="slidenum">
+            <a:fld id="{823BE730-7352-44D8-922F-9E23EC614431}" type="slidenum">
               <a:rPr lang="zh-CN" altLang="en-US" smtClean="0"/>
               <a:t>‹#›</a:t>
             </a:fld>
@@ -1196,7 +1196,7 @@
     </p:spTree>
     <p:extLst>
       <p:ext uri="{BB962C8B-B14F-4D97-AF65-F5344CB8AC3E}">
-        <p14:creationId xmlns:p14="http://schemas.microsoft.com/office/powerpoint/2010/main" val="2625117492"/>
+        <p14:creationId xmlns:p14="http://schemas.microsoft.com/office/powerpoint/2010/main" val="3586249630"/>
       </p:ext>
     </p:extLst>
   </p:cSld>
@@ -1228,7 +1228,7 @@
           <p:cNvPr id="2" name="标题 1">
             <a:extLst>
               <a:ext uri="{FF2B5EF4-FFF2-40B4-BE49-F238E27FC236}">
-                <a16:creationId xmlns:a16="http://schemas.microsoft.com/office/drawing/2014/main" id="{06DE51AE-4D2F-CB64-7FE7-2C87DD88DD4C}"/>
+                <a16:creationId xmlns:a16="http://schemas.microsoft.com/office/drawing/2014/main" id="{4D38D753-BD44-C3FF-8EAD-87B328105CC5}"/>
               </a:ext>
             </a:extLst>
           </p:cNvPr>
@@ -1256,7 +1256,7 @@
           <p:cNvPr id="3" name="内容占位符 2">
             <a:extLst>
               <a:ext uri="{FF2B5EF4-FFF2-40B4-BE49-F238E27FC236}">
-                <a16:creationId xmlns:a16="http://schemas.microsoft.com/office/drawing/2014/main" id="{82FD5132-CB8B-1BEE-043F-48CC0A72D7C5}"/>
+                <a16:creationId xmlns:a16="http://schemas.microsoft.com/office/drawing/2014/main" id="{DD0A2CDA-1A3C-5D76-73F4-140AB57773AC}"/>
               </a:ext>
             </a:extLst>
           </p:cNvPr>
@@ -1318,7 +1318,7 @@
           <p:cNvPr id="4" name="内容占位符 3">
             <a:extLst>
               <a:ext uri="{FF2B5EF4-FFF2-40B4-BE49-F238E27FC236}">
-                <a16:creationId xmlns:a16="http://schemas.microsoft.com/office/drawing/2014/main" id="{F7D731EB-9DFC-787B-B6CC-F613EFFCC1D0}"/>
+                <a16:creationId xmlns:a16="http://schemas.microsoft.com/office/drawing/2014/main" id="{FCE7BC2B-585C-FC2F-CB7A-AFE9F755E67B}"/>
               </a:ext>
             </a:extLst>
           </p:cNvPr>
@@ -1380,7 +1380,7 @@
           <p:cNvPr id="5" name="日期占位符 4">
             <a:extLst>
               <a:ext uri="{FF2B5EF4-FFF2-40B4-BE49-F238E27FC236}">
-                <a16:creationId xmlns:a16="http://schemas.microsoft.com/office/drawing/2014/main" id="{9A2FE67B-BC3C-9C8F-7FDA-3E6879D20D13}"/>
+                <a16:creationId xmlns:a16="http://schemas.microsoft.com/office/drawing/2014/main" id="{FBB8BDB4-9FAE-DFAE-3C22-C65737E1047C}"/>
               </a:ext>
             </a:extLst>
           </p:cNvPr>
@@ -1396,7 +1396,7 @@
           <a:bodyPr/>
           <a:lstStyle/>
           <a:p>
-            <a:fld id="{0A43ACEA-7278-447F-A545-D4DE31A6F755}" type="datetimeFigureOut">
+            <a:fld id="{013A9AF9-565B-4354-8E0D-62D7F3E1D683}" type="datetimeFigureOut">
               <a:rPr lang="zh-CN" altLang="en-US" smtClean="0"/>
               <a:t>2024/3/10</a:t>
             </a:fld>
@@ -1409,7 +1409,7 @@
           <p:cNvPr id="6" name="页脚占位符 5">
             <a:extLst>
               <a:ext uri="{FF2B5EF4-FFF2-40B4-BE49-F238E27FC236}">
-                <a16:creationId xmlns:a16="http://schemas.microsoft.com/office/drawing/2014/main" id="{6D9D708C-415D-7F30-395D-10193BD7DF6B}"/>
+                <a16:creationId xmlns:a16="http://schemas.microsoft.com/office/drawing/2014/main" id="{F8B0B97D-C4D4-46A3-CDAF-AB1D2C013605}"/>
               </a:ext>
             </a:extLst>
           </p:cNvPr>
@@ -1434,7 +1434,7 @@
           <p:cNvPr id="7" name="灯片编号占位符 6">
             <a:extLst>
               <a:ext uri="{FF2B5EF4-FFF2-40B4-BE49-F238E27FC236}">
-                <a16:creationId xmlns:a16="http://schemas.microsoft.com/office/drawing/2014/main" id="{D79B2F46-3EA1-3A5C-66B3-04EF2CFD1BB0}"/>
+                <a16:creationId xmlns:a16="http://schemas.microsoft.com/office/drawing/2014/main" id="{5D227408-8E7B-4055-D26D-377B7842CCDD}"/>
               </a:ext>
             </a:extLst>
           </p:cNvPr>
@@ -1450,7 +1450,7 @@
           <a:bodyPr/>
           <a:lstStyle/>
           <a:p>
-            <a:fld id="{B729146F-F417-45AF-9227-066106355041}" type="slidenum">
+            <a:fld id="{823BE730-7352-44D8-922F-9E23EC614431}" type="slidenum">
               <a:rPr lang="zh-CN" altLang="en-US" smtClean="0"/>
               <a:t>‹#›</a:t>
             </a:fld>
@@ -1461,7 +1461,7 @@
     </p:spTree>
     <p:extLst>
       <p:ext uri="{BB962C8B-B14F-4D97-AF65-F5344CB8AC3E}">
-        <p14:creationId xmlns:p14="http://schemas.microsoft.com/office/powerpoint/2010/main" val="1663707001"/>
+        <p14:creationId xmlns:p14="http://schemas.microsoft.com/office/powerpoint/2010/main" val="1757955794"/>
       </p:ext>
     </p:extLst>
   </p:cSld>
@@ -1493,7 +1493,7 @@
           <p:cNvPr id="2" name="标题 1">
             <a:extLst>
               <a:ext uri="{FF2B5EF4-FFF2-40B4-BE49-F238E27FC236}">
-                <a16:creationId xmlns:a16="http://schemas.microsoft.com/office/drawing/2014/main" id="{FB694A9C-09D4-4279-05A8-AD62369CA737}"/>
+                <a16:creationId xmlns:a16="http://schemas.microsoft.com/office/drawing/2014/main" id="{CCA8EA9A-B3F9-E6BC-5070-76FD366046A6}"/>
               </a:ext>
             </a:extLst>
           </p:cNvPr>
@@ -1526,7 +1526,7 @@
           <p:cNvPr id="3" name="文本占位符 2">
             <a:extLst>
               <a:ext uri="{FF2B5EF4-FFF2-40B4-BE49-F238E27FC236}">
-                <a16:creationId xmlns:a16="http://schemas.microsoft.com/office/drawing/2014/main" id="{54BDDCA3-DB35-3FA2-5EEF-0D9599BB3F1C}"/>
+                <a16:creationId xmlns:a16="http://schemas.microsoft.com/office/drawing/2014/main" id="{16810658-52DC-3C88-D30F-E3E497977C07}"/>
               </a:ext>
             </a:extLst>
           </p:cNvPr>
@@ -1597,7 +1597,7 @@
           <p:cNvPr id="4" name="内容占位符 3">
             <a:extLst>
               <a:ext uri="{FF2B5EF4-FFF2-40B4-BE49-F238E27FC236}">
-                <a16:creationId xmlns:a16="http://schemas.microsoft.com/office/drawing/2014/main" id="{E69301BD-EA7B-6A5E-7EFD-1602BB59C70C}"/>
+                <a16:creationId xmlns:a16="http://schemas.microsoft.com/office/drawing/2014/main" id="{38EB42F6-ED82-7D18-16F2-2574901E30AC}"/>
               </a:ext>
             </a:extLst>
           </p:cNvPr>
@@ -1659,7 +1659,7 @@
           <p:cNvPr id="5" name="文本占位符 4">
             <a:extLst>
               <a:ext uri="{FF2B5EF4-FFF2-40B4-BE49-F238E27FC236}">
-                <a16:creationId xmlns:a16="http://schemas.microsoft.com/office/drawing/2014/main" id="{E7132FE7-445F-939D-1200-7B1D1BFFB43C}"/>
+                <a16:creationId xmlns:a16="http://schemas.microsoft.com/office/drawing/2014/main" id="{46B1C437-6309-9771-BA4C-C33F4D5241A7}"/>
               </a:ext>
             </a:extLst>
           </p:cNvPr>
@@ -1730,7 +1730,7 @@
           <p:cNvPr id="6" name="内容占位符 5">
             <a:extLst>
               <a:ext uri="{FF2B5EF4-FFF2-40B4-BE49-F238E27FC236}">
-                <a16:creationId xmlns:a16="http://schemas.microsoft.com/office/drawing/2014/main" id="{4705D243-05E0-68E6-CD62-31F6CF2425C6}"/>
+                <a16:creationId xmlns:a16="http://schemas.microsoft.com/office/drawing/2014/main" id="{2E08F6D4-E689-E0D3-A5F3-CBBF99D65E40}"/>
               </a:ext>
             </a:extLst>
           </p:cNvPr>
@@ -1792,7 +1792,7 @@
           <p:cNvPr id="7" name="日期占位符 6">
             <a:extLst>
               <a:ext uri="{FF2B5EF4-FFF2-40B4-BE49-F238E27FC236}">
-                <a16:creationId xmlns:a16="http://schemas.microsoft.com/office/drawing/2014/main" id="{3E20A857-1979-A5F4-F648-D27E1B468B26}"/>
+                <a16:creationId xmlns:a16="http://schemas.microsoft.com/office/drawing/2014/main" id="{96D9EBD2-106E-0ED2-E82E-86D15526DCC5}"/>
               </a:ext>
             </a:extLst>
           </p:cNvPr>
@@ -1808,7 +1808,7 @@
           <a:bodyPr/>
           <a:lstStyle/>
           <a:p>
-            <a:fld id="{0A43ACEA-7278-447F-A545-D4DE31A6F755}" type="datetimeFigureOut">
+            <a:fld id="{013A9AF9-565B-4354-8E0D-62D7F3E1D683}" type="datetimeFigureOut">
               <a:rPr lang="zh-CN" altLang="en-US" smtClean="0"/>
               <a:t>2024/3/10</a:t>
             </a:fld>
@@ -1821,7 +1821,7 @@
           <p:cNvPr id="8" name="页脚占位符 7">
             <a:extLst>
               <a:ext uri="{FF2B5EF4-FFF2-40B4-BE49-F238E27FC236}">
-                <a16:creationId xmlns:a16="http://schemas.microsoft.com/office/drawing/2014/main" id="{1970BE6D-17A9-E782-F0CF-D2E5DE329C68}"/>
+                <a16:creationId xmlns:a16="http://schemas.microsoft.com/office/drawing/2014/main" id="{289BB15A-6619-CC9C-D6C4-50413A91A133}"/>
               </a:ext>
             </a:extLst>
           </p:cNvPr>
@@ -1846,7 +1846,7 @@
           <p:cNvPr id="9" name="灯片编号占位符 8">
             <a:extLst>
               <a:ext uri="{FF2B5EF4-FFF2-40B4-BE49-F238E27FC236}">
-                <a16:creationId xmlns:a16="http://schemas.microsoft.com/office/drawing/2014/main" id="{3B2BFDE5-79D4-9C07-7135-2B6188DC8AB4}"/>
+                <a16:creationId xmlns:a16="http://schemas.microsoft.com/office/drawing/2014/main" id="{181F834F-0697-6C1A-F829-C55C3B570FB8}"/>
               </a:ext>
             </a:extLst>
           </p:cNvPr>
@@ -1862,7 +1862,7 @@
           <a:bodyPr/>
           <a:lstStyle/>
           <a:p>
-            <a:fld id="{B729146F-F417-45AF-9227-066106355041}" type="slidenum">
+            <a:fld id="{823BE730-7352-44D8-922F-9E23EC614431}" type="slidenum">
               <a:rPr lang="zh-CN" altLang="en-US" smtClean="0"/>
               <a:t>‹#›</a:t>
             </a:fld>
@@ -1873,7 +1873,7 @@
     </p:spTree>
     <p:extLst>
       <p:ext uri="{BB962C8B-B14F-4D97-AF65-F5344CB8AC3E}">
-        <p14:creationId xmlns:p14="http://schemas.microsoft.com/office/powerpoint/2010/main" val="3768438248"/>
+        <p14:creationId xmlns:p14="http://schemas.microsoft.com/office/powerpoint/2010/main" val="3655838935"/>
       </p:ext>
     </p:extLst>
   </p:cSld>
@@ -1905,7 +1905,7 @@
           <p:cNvPr id="2" name="标题 1">
             <a:extLst>
               <a:ext uri="{FF2B5EF4-FFF2-40B4-BE49-F238E27FC236}">
-                <a16:creationId xmlns:a16="http://schemas.microsoft.com/office/drawing/2014/main" id="{7987B6F8-CDFA-9A66-E4D7-7CB6F6E8B9C1}"/>
+                <a16:creationId xmlns:a16="http://schemas.microsoft.com/office/drawing/2014/main" id="{D500B5CD-494A-13EF-356C-C02520795D29}"/>
               </a:ext>
             </a:extLst>
           </p:cNvPr>
@@ -1933,7 +1933,7 @@
           <p:cNvPr id="3" name="日期占位符 2">
             <a:extLst>
               <a:ext uri="{FF2B5EF4-FFF2-40B4-BE49-F238E27FC236}">
-                <a16:creationId xmlns:a16="http://schemas.microsoft.com/office/drawing/2014/main" id="{7F3C6BE0-0DC8-0E6F-04BB-828D1321450A}"/>
+                <a16:creationId xmlns:a16="http://schemas.microsoft.com/office/drawing/2014/main" id="{1E9302F9-6085-AF98-458F-A484F1436C0A}"/>
               </a:ext>
             </a:extLst>
           </p:cNvPr>
@@ -1949,7 +1949,7 @@
           <a:bodyPr/>
           <a:lstStyle/>
           <a:p>
-            <a:fld id="{0A43ACEA-7278-447F-A545-D4DE31A6F755}" type="datetimeFigureOut">
+            <a:fld id="{013A9AF9-565B-4354-8E0D-62D7F3E1D683}" type="datetimeFigureOut">
               <a:rPr lang="zh-CN" altLang="en-US" smtClean="0"/>
               <a:t>2024/3/10</a:t>
             </a:fld>
@@ -1962,7 +1962,7 @@
           <p:cNvPr id="4" name="页脚占位符 3">
             <a:extLst>
               <a:ext uri="{FF2B5EF4-FFF2-40B4-BE49-F238E27FC236}">
-                <a16:creationId xmlns:a16="http://schemas.microsoft.com/office/drawing/2014/main" id="{F207A658-7482-81BA-269B-F3AB678EAE12}"/>
+                <a16:creationId xmlns:a16="http://schemas.microsoft.com/office/drawing/2014/main" id="{744FC1C5-40B3-735F-A0F5-C42387072523}"/>
               </a:ext>
             </a:extLst>
           </p:cNvPr>
@@ -1987,7 +1987,7 @@
           <p:cNvPr id="5" name="灯片编号占位符 4">
             <a:extLst>
               <a:ext uri="{FF2B5EF4-FFF2-40B4-BE49-F238E27FC236}">
-                <a16:creationId xmlns:a16="http://schemas.microsoft.com/office/drawing/2014/main" id="{0F4150C8-ECA4-3D01-CDA0-2CA68EE14889}"/>
+                <a16:creationId xmlns:a16="http://schemas.microsoft.com/office/drawing/2014/main" id="{74F5628A-1FED-BF23-C936-6D1C8B4188CE}"/>
               </a:ext>
             </a:extLst>
           </p:cNvPr>
@@ -2003,7 +2003,7 @@
           <a:bodyPr/>
           <a:lstStyle/>
           <a:p>
-            <a:fld id="{B729146F-F417-45AF-9227-066106355041}" type="slidenum">
+            <a:fld id="{823BE730-7352-44D8-922F-9E23EC614431}" type="slidenum">
               <a:rPr lang="zh-CN" altLang="en-US" smtClean="0"/>
               <a:t>‹#›</a:t>
             </a:fld>
@@ -2014,7 +2014,7 @@
     </p:spTree>
     <p:extLst>
       <p:ext uri="{BB962C8B-B14F-4D97-AF65-F5344CB8AC3E}">
-        <p14:creationId xmlns:p14="http://schemas.microsoft.com/office/powerpoint/2010/main" val="159577042"/>
+        <p14:creationId xmlns:p14="http://schemas.microsoft.com/office/powerpoint/2010/main" val="3288739994"/>
       </p:ext>
     </p:extLst>
   </p:cSld>
@@ -2046,7 +2046,7 @@
           <p:cNvPr id="2" name="日期占位符 1">
             <a:extLst>
               <a:ext uri="{FF2B5EF4-FFF2-40B4-BE49-F238E27FC236}">
-                <a16:creationId xmlns:a16="http://schemas.microsoft.com/office/drawing/2014/main" id="{530B47BA-1FAF-5026-5803-5F076CD4D3E5}"/>
+                <a16:creationId xmlns:a16="http://schemas.microsoft.com/office/drawing/2014/main" id="{C5486C00-8A84-A49A-218E-DA9720D11B3D}"/>
               </a:ext>
             </a:extLst>
           </p:cNvPr>
@@ -2062,7 +2062,7 @@
           <a:bodyPr/>
           <a:lstStyle/>
           <a:p>
-            <a:fld id="{0A43ACEA-7278-447F-A545-D4DE31A6F755}" type="datetimeFigureOut">
+            <a:fld id="{013A9AF9-565B-4354-8E0D-62D7F3E1D683}" type="datetimeFigureOut">
               <a:rPr lang="zh-CN" altLang="en-US" smtClean="0"/>
               <a:t>2024/3/10</a:t>
             </a:fld>
@@ -2075,7 +2075,7 @@
           <p:cNvPr id="3" name="页脚占位符 2">
             <a:extLst>
               <a:ext uri="{FF2B5EF4-FFF2-40B4-BE49-F238E27FC236}">
-                <a16:creationId xmlns:a16="http://schemas.microsoft.com/office/drawing/2014/main" id="{F83CFEB4-DC63-BF86-5373-572A3447DB01}"/>
+                <a16:creationId xmlns:a16="http://schemas.microsoft.com/office/drawing/2014/main" id="{F316A735-4532-9A90-6450-61294E540421}"/>
               </a:ext>
             </a:extLst>
           </p:cNvPr>
@@ -2100,7 +2100,7 @@
           <p:cNvPr id="4" name="灯片编号占位符 3">
             <a:extLst>
               <a:ext uri="{FF2B5EF4-FFF2-40B4-BE49-F238E27FC236}">
-                <a16:creationId xmlns:a16="http://schemas.microsoft.com/office/drawing/2014/main" id="{4E426821-481C-28D0-992E-5B8CCADD297D}"/>
+                <a16:creationId xmlns:a16="http://schemas.microsoft.com/office/drawing/2014/main" id="{3BB8F536-97BE-55B9-E14E-F0CCE61D5F58}"/>
               </a:ext>
             </a:extLst>
           </p:cNvPr>
@@ -2116,7 +2116,7 @@
           <a:bodyPr/>
           <a:lstStyle/>
           <a:p>
-            <a:fld id="{B729146F-F417-45AF-9227-066106355041}" type="slidenum">
+            <a:fld id="{823BE730-7352-44D8-922F-9E23EC614431}" type="slidenum">
               <a:rPr lang="zh-CN" altLang="en-US" smtClean="0"/>
               <a:t>‹#›</a:t>
             </a:fld>
@@ -2127,7 +2127,7 @@
     </p:spTree>
     <p:extLst>
       <p:ext uri="{BB962C8B-B14F-4D97-AF65-F5344CB8AC3E}">
-        <p14:creationId xmlns:p14="http://schemas.microsoft.com/office/powerpoint/2010/main" val="2581539245"/>
+        <p14:creationId xmlns:p14="http://schemas.microsoft.com/office/powerpoint/2010/main" val="556987516"/>
       </p:ext>
     </p:extLst>
   </p:cSld>
@@ -2159,7 +2159,7 @@
           <p:cNvPr id="2" name="标题 1">
             <a:extLst>
               <a:ext uri="{FF2B5EF4-FFF2-40B4-BE49-F238E27FC236}">
-                <a16:creationId xmlns:a16="http://schemas.microsoft.com/office/drawing/2014/main" id="{4FDAA16F-1AB3-0402-1E77-0630C723F181}"/>
+                <a16:creationId xmlns:a16="http://schemas.microsoft.com/office/drawing/2014/main" id="{652A8587-0F57-C2E8-43C3-96544C993E47}"/>
               </a:ext>
             </a:extLst>
           </p:cNvPr>
@@ -2196,7 +2196,7 @@
           <p:cNvPr id="3" name="内容占位符 2">
             <a:extLst>
               <a:ext uri="{FF2B5EF4-FFF2-40B4-BE49-F238E27FC236}">
-                <a16:creationId xmlns:a16="http://schemas.microsoft.com/office/drawing/2014/main" id="{3914F01E-92BE-E572-8284-26574CB93F45}"/>
+                <a16:creationId xmlns:a16="http://schemas.microsoft.com/office/drawing/2014/main" id="{2F1414D8-BF82-711D-D4A3-F3F642F5D517}"/>
               </a:ext>
             </a:extLst>
           </p:cNvPr>
@@ -2286,7 +2286,7 @@
           <p:cNvPr id="4" name="文本占位符 3">
             <a:extLst>
               <a:ext uri="{FF2B5EF4-FFF2-40B4-BE49-F238E27FC236}">
-                <a16:creationId xmlns:a16="http://schemas.microsoft.com/office/drawing/2014/main" id="{F0FC1E24-FA03-BA43-7895-3E89E7083690}"/>
+                <a16:creationId xmlns:a16="http://schemas.microsoft.com/office/drawing/2014/main" id="{172D0E0F-74B2-E009-CC28-B9953587F092}"/>
               </a:ext>
             </a:extLst>
           </p:cNvPr>
@@ -2357,7 +2357,7 @@
           <p:cNvPr id="5" name="日期占位符 4">
             <a:extLst>
               <a:ext uri="{FF2B5EF4-FFF2-40B4-BE49-F238E27FC236}">
-                <a16:creationId xmlns:a16="http://schemas.microsoft.com/office/drawing/2014/main" id="{7C733FA9-8A0E-364F-CF73-896683BEEAE6}"/>
+                <a16:creationId xmlns:a16="http://schemas.microsoft.com/office/drawing/2014/main" id="{F100F879-C46B-63F9-9DA5-6D925628090A}"/>
               </a:ext>
             </a:extLst>
           </p:cNvPr>
@@ -2373,7 +2373,7 @@
           <a:bodyPr/>
           <a:lstStyle/>
           <a:p>
-            <a:fld id="{0A43ACEA-7278-447F-A545-D4DE31A6F755}" type="datetimeFigureOut">
+            <a:fld id="{013A9AF9-565B-4354-8E0D-62D7F3E1D683}" type="datetimeFigureOut">
               <a:rPr lang="zh-CN" altLang="en-US" smtClean="0"/>
               <a:t>2024/3/10</a:t>
             </a:fld>
@@ -2386,7 +2386,7 @@
           <p:cNvPr id="6" name="页脚占位符 5">
             <a:extLst>
               <a:ext uri="{FF2B5EF4-FFF2-40B4-BE49-F238E27FC236}">
-                <a16:creationId xmlns:a16="http://schemas.microsoft.com/office/drawing/2014/main" id="{874B55BB-A11B-D9A1-50E2-48DFFEBE523A}"/>
+                <a16:creationId xmlns:a16="http://schemas.microsoft.com/office/drawing/2014/main" id="{EEBB8136-49EF-B09A-C7E1-82C26AA94001}"/>
               </a:ext>
             </a:extLst>
           </p:cNvPr>
@@ -2411,7 +2411,7 @@
           <p:cNvPr id="7" name="灯片编号占位符 6">
             <a:extLst>
               <a:ext uri="{FF2B5EF4-FFF2-40B4-BE49-F238E27FC236}">
-                <a16:creationId xmlns:a16="http://schemas.microsoft.com/office/drawing/2014/main" id="{5BAC3E0E-3F79-8731-6F3B-831714AD8E09}"/>
+                <a16:creationId xmlns:a16="http://schemas.microsoft.com/office/drawing/2014/main" id="{E84AF3C4-19F6-AEB6-6C6B-8148452AD5F9}"/>
               </a:ext>
             </a:extLst>
           </p:cNvPr>
@@ -2427,7 +2427,7 @@
           <a:bodyPr/>
           <a:lstStyle/>
           <a:p>
-            <a:fld id="{B729146F-F417-45AF-9227-066106355041}" type="slidenum">
+            <a:fld id="{823BE730-7352-44D8-922F-9E23EC614431}" type="slidenum">
               <a:rPr lang="zh-CN" altLang="en-US" smtClean="0"/>
               <a:t>‹#›</a:t>
             </a:fld>
@@ -2438,7 +2438,7 @@
     </p:spTree>
     <p:extLst>
       <p:ext uri="{BB962C8B-B14F-4D97-AF65-F5344CB8AC3E}">
-        <p14:creationId xmlns:p14="http://schemas.microsoft.com/office/powerpoint/2010/main" val="54501011"/>
+        <p14:creationId xmlns:p14="http://schemas.microsoft.com/office/powerpoint/2010/main" val="74563700"/>
       </p:ext>
     </p:extLst>
   </p:cSld>
@@ -2470,7 +2470,7 @@
           <p:cNvPr id="2" name="标题 1">
             <a:extLst>
               <a:ext uri="{FF2B5EF4-FFF2-40B4-BE49-F238E27FC236}">
-                <a16:creationId xmlns:a16="http://schemas.microsoft.com/office/drawing/2014/main" id="{E3A2E239-5AD0-860F-0A2C-14A5EC5AC882}"/>
+                <a16:creationId xmlns:a16="http://schemas.microsoft.com/office/drawing/2014/main" id="{62FADE95-D866-3715-4BAD-6FBD62D8C2F9}"/>
               </a:ext>
             </a:extLst>
           </p:cNvPr>
@@ -2507,7 +2507,7 @@
           <p:cNvPr id="3" name="图片占位符 2">
             <a:extLst>
               <a:ext uri="{FF2B5EF4-FFF2-40B4-BE49-F238E27FC236}">
-                <a16:creationId xmlns:a16="http://schemas.microsoft.com/office/drawing/2014/main" id="{2AFB6ADD-4586-82AF-1A26-B3C11FDE209B}"/>
+                <a16:creationId xmlns:a16="http://schemas.microsoft.com/office/drawing/2014/main" id="{BD60B418-7966-2522-A34F-660F3163CF56}"/>
               </a:ext>
             </a:extLst>
           </p:cNvPr>
@@ -2574,7 +2574,7 @@
           <p:cNvPr id="4" name="文本占位符 3">
             <a:extLst>
               <a:ext uri="{FF2B5EF4-FFF2-40B4-BE49-F238E27FC236}">
-                <a16:creationId xmlns:a16="http://schemas.microsoft.com/office/drawing/2014/main" id="{584BF516-0CE6-E2B5-0247-7DC691CF37D5}"/>
+                <a16:creationId xmlns:a16="http://schemas.microsoft.com/office/drawing/2014/main" id="{33EF73D6-774F-5952-4287-BB698A295EAD}"/>
               </a:ext>
             </a:extLst>
           </p:cNvPr>
@@ -2645,7 +2645,7 @@
           <p:cNvPr id="5" name="日期占位符 4">
             <a:extLst>
               <a:ext uri="{FF2B5EF4-FFF2-40B4-BE49-F238E27FC236}">
-                <a16:creationId xmlns:a16="http://schemas.microsoft.com/office/drawing/2014/main" id="{AA70E338-9EF3-69EB-7640-00E0997BC08C}"/>
+                <a16:creationId xmlns:a16="http://schemas.microsoft.com/office/drawing/2014/main" id="{E17C2FC0-54C7-49FB-768F-D9D0F6C90DC0}"/>
               </a:ext>
             </a:extLst>
           </p:cNvPr>
@@ -2661,7 +2661,7 @@
           <a:bodyPr/>
           <a:lstStyle/>
           <a:p>
-            <a:fld id="{0A43ACEA-7278-447F-A545-D4DE31A6F755}" type="datetimeFigureOut">
+            <a:fld id="{013A9AF9-565B-4354-8E0D-62D7F3E1D683}" type="datetimeFigureOut">
               <a:rPr lang="zh-CN" altLang="en-US" smtClean="0"/>
               <a:t>2024/3/10</a:t>
             </a:fld>
@@ -2674,7 +2674,7 @@
           <p:cNvPr id="6" name="页脚占位符 5">
             <a:extLst>
               <a:ext uri="{FF2B5EF4-FFF2-40B4-BE49-F238E27FC236}">
-                <a16:creationId xmlns:a16="http://schemas.microsoft.com/office/drawing/2014/main" id="{5AD0284E-385E-9A20-89F0-7A6942725F99}"/>
+                <a16:creationId xmlns:a16="http://schemas.microsoft.com/office/drawing/2014/main" id="{76BF7FCF-337B-E283-E480-305CA3A0CB11}"/>
               </a:ext>
             </a:extLst>
           </p:cNvPr>
@@ -2699,7 +2699,7 @@
           <p:cNvPr id="7" name="灯片编号占位符 6">
             <a:extLst>
               <a:ext uri="{FF2B5EF4-FFF2-40B4-BE49-F238E27FC236}">
-                <a16:creationId xmlns:a16="http://schemas.microsoft.com/office/drawing/2014/main" id="{F27F1501-A09F-9243-09D5-06F989554042}"/>
+                <a16:creationId xmlns:a16="http://schemas.microsoft.com/office/drawing/2014/main" id="{37A11E70-1179-7859-97B5-751A1E61AE19}"/>
               </a:ext>
             </a:extLst>
           </p:cNvPr>
@@ -2715,7 +2715,7 @@
           <a:bodyPr/>
           <a:lstStyle/>
           <a:p>
-            <a:fld id="{B729146F-F417-45AF-9227-066106355041}" type="slidenum">
+            <a:fld id="{823BE730-7352-44D8-922F-9E23EC614431}" type="slidenum">
               <a:rPr lang="zh-CN" altLang="en-US" smtClean="0"/>
               <a:t>‹#›</a:t>
             </a:fld>
@@ -2726,7 +2726,7 @@
     </p:spTree>
     <p:extLst>
       <p:ext uri="{BB962C8B-B14F-4D97-AF65-F5344CB8AC3E}">
-        <p14:creationId xmlns:p14="http://schemas.microsoft.com/office/powerpoint/2010/main" val="39535717"/>
+        <p14:creationId xmlns:p14="http://schemas.microsoft.com/office/powerpoint/2010/main" val="3382951171"/>
       </p:ext>
     </p:extLst>
   </p:cSld>
@@ -2763,7 +2763,7 @@
           <p:cNvPr id="2" name="标题占位符 1">
             <a:extLst>
               <a:ext uri="{FF2B5EF4-FFF2-40B4-BE49-F238E27FC236}">
-                <a16:creationId xmlns:a16="http://schemas.microsoft.com/office/drawing/2014/main" id="{FCC7F075-6EE7-9581-DCE8-955C9EC1706B}"/>
+                <a16:creationId xmlns:a16="http://schemas.microsoft.com/office/drawing/2014/main" id="{705D2BBE-DDC5-4CFF-57D2-E0CF9C33AED6}"/>
               </a:ext>
             </a:extLst>
           </p:cNvPr>
@@ -2801,7 +2801,7 @@
           <p:cNvPr id="3" name="文本占位符 2">
             <a:extLst>
               <a:ext uri="{FF2B5EF4-FFF2-40B4-BE49-F238E27FC236}">
-                <a16:creationId xmlns:a16="http://schemas.microsoft.com/office/drawing/2014/main" id="{D2606E82-16A5-5F5C-DE5A-21A3FD77BA3C}"/>
+                <a16:creationId xmlns:a16="http://schemas.microsoft.com/office/drawing/2014/main" id="{B6972922-85F2-BBAD-BB6B-B82A6A6DAB80}"/>
               </a:ext>
             </a:extLst>
           </p:cNvPr>
@@ -2868,7 +2868,7 @@
           <p:cNvPr id="4" name="日期占位符 3">
             <a:extLst>
               <a:ext uri="{FF2B5EF4-FFF2-40B4-BE49-F238E27FC236}">
-                <a16:creationId xmlns:a16="http://schemas.microsoft.com/office/drawing/2014/main" id="{02B72BEF-5E43-2A8A-2C73-56DA344230FA}"/>
+                <a16:creationId xmlns:a16="http://schemas.microsoft.com/office/drawing/2014/main" id="{86AE3AA9-AE0B-07F3-2877-977F8B7AF741}"/>
               </a:ext>
             </a:extLst>
           </p:cNvPr>
@@ -2902,7 +2902,7 @@
             </a:lvl1pPr>
           </a:lstStyle>
           <a:p>
-            <a:fld id="{0A43ACEA-7278-447F-A545-D4DE31A6F755}" type="datetimeFigureOut">
+            <a:fld id="{013A9AF9-565B-4354-8E0D-62D7F3E1D683}" type="datetimeFigureOut">
               <a:rPr lang="zh-CN" altLang="en-US" smtClean="0"/>
               <a:t>2024/3/10</a:t>
             </a:fld>
@@ -2915,7 +2915,7 @@
           <p:cNvPr id="5" name="页脚占位符 4">
             <a:extLst>
               <a:ext uri="{FF2B5EF4-FFF2-40B4-BE49-F238E27FC236}">
-                <a16:creationId xmlns:a16="http://schemas.microsoft.com/office/drawing/2014/main" id="{974D135B-42AC-4BA2-6ACA-0C61AC1B719A}"/>
+                <a16:creationId xmlns:a16="http://schemas.microsoft.com/office/drawing/2014/main" id="{71586270-DDEB-857B-2946-DE558E01FBED}"/>
               </a:ext>
             </a:extLst>
           </p:cNvPr>
@@ -2958,7 +2958,7 @@
           <p:cNvPr id="6" name="灯片编号占位符 5">
             <a:extLst>
               <a:ext uri="{FF2B5EF4-FFF2-40B4-BE49-F238E27FC236}">
-                <a16:creationId xmlns:a16="http://schemas.microsoft.com/office/drawing/2014/main" id="{76F4249D-44C2-7611-8B06-4CEEEE4725F9}"/>
+                <a16:creationId xmlns:a16="http://schemas.microsoft.com/office/drawing/2014/main" id="{72F6656A-D820-E748-8F53-557F94279EBE}"/>
               </a:ext>
             </a:extLst>
           </p:cNvPr>
@@ -2992,7 +2992,7 @@
             </a:lvl1pPr>
           </a:lstStyle>
           <a:p>
-            <a:fld id="{B729146F-F417-45AF-9227-066106355041}" type="slidenum">
+            <a:fld id="{823BE730-7352-44D8-922F-9E23EC614431}" type="slidenum">
               <a:rPr lang="zh-CN" altLang="en-US" smtClean="0"/>
               <a:t>‹#›</a:t>
             </a:fld>
@@ -3003,7 +3003,7 @@
     </p:spTree>
     <p:extLst>
       <p:ext uri="{BB962C8B-B14F-4D97-AF65-F5344CB8AC3E}">
-        <p14:creationId xmlns:p14="http://schemas.microsoft.com/office/powerpoint/2010/main" val="3654797813"/>
+        <p14:creationId xmlns:p14="http://schemas.microsoft.com/office/powerpoint/2010/main" val="1599880430"/>
       </p:ext>
     </p:extLst>
   </p:cSld>
@@ -3323,7 +3323,7 @@
       </p:grpSpPr>
       <p:pic>
         <p:nvPicPr>
-          <p:cNvPr id="1153026" name="Picture 2" descr="1125"/>
+          <p:cNvPr id="1154050" name="Picture 2" descr="1126"/>
           <p:cNvPicPr>
             <a:picLocks noChangeAspect="1" noChangeArrowheads="1"/>
           </p:cNvPicPr>
@@ -3344,8 +3344,8 @@
         </p:blipFill>
         <p:spPr bwMode="auto">
           <a:xfrm>
-            <a:off x="1524000" y="1"/>
-            <a:ext cx="9144000" cy="4221163"/>
+            <a:off x="1524000" y="0"/>
+            <a:ext cx="9144000" cy="6858000"/>
           </a:xfrm>
           <a:prstGeom prst="rect">
             <a:avLst/>
@@ -3375,11 +3375,158 @@
           </a:extLst>
         </p:spPr>
       </p:pic>
+      <p:pic>
+        <p:nvPicPr>
+          <p:cNvPr id="1155075" name="Picture 3" descr="1126-2"/>
+          <p:cNvPicPr>
+            <a:picLocks noChangeAspect="1" noChangeArrowheads="1"/>
+          </p:cNvPicPr>
+          <p:nvPr/>
+        </p:nvPicPr>
+        <p:blipFill>
+          <a:blip r:embed="rId3">
+            <a:extLst>
+              <a:ext uri="{28A0092B-C50C-407E-A947-70E740481C1C}">
+                <a14:useLocalDpi xmlns:a14="http://schemas.microsoft.com/office/drawing/2010/main" val="0"/>
+              </a:ext>
+            </a:extLst>
+          </a:blip>
+          <a:srcRect/>
+          <a:stretch>
+            <a:fillRect/>
+          </a:stretch>
+        </p:blipFill>
+        <p:spPr bwMode="auto">
+          <a:xfrm>
+            <a:off x="1524000" y="0"/>
+            <a:ext cx="9144000" cy="6858000"/>
+          </a:xfrm>
+          <a:prstGeom prst="rect">
+            <a:avLst/>
+          </a:prstGeom>
+          <a:noFill/>
+          <a:ln>
+            <a:noFill/>
+          </a:ln>
+          <a:effectLst/>
+          <a:extLst>
+            <a:ext uri="{909E8E84-426E-40DD-AFC4-6F175D3DCCD1}">
+              <a14:hiddenFill xmlns:a14="http://schemas.microsoft.com/office/drawing/2010/main">
+                <a:solidFill>
+                  <a:srgbClr val="FFFFFF"/>
+                </a:solidFill>
+              </a14:hiddenFill>
+            </a:ext>
+            <a:ext uri="{91240B29-F687-4F45-9708-019B960494DF}">
+              <a14:hiddenLine xmlns:a14="http://schemas.microsoft.com/office/drawing/2010/main" w="9525">
+                <a:solidFill>
+                  <a:srgbClr val="000000"/>
+                </a:solidFill>
+                <a:miter lim="800000"/>
+                <a:headEnd/>
+                <a:tailEnd/>
+              </a14:hiddenLine>
+            </a:ext>
+            <a:ext uri="{AF507438-7753-43E0-B8FC-AC1667EBCBE1}">
+              <a14:hiddenEffects xmlns:a14="http://schemas.microsoft.com/office/drawing/2010/main">
+                <a:effectLst>
+                  <a:outerShdw dist="35921" dir="2700000" algn="ctr" rotWithShape="0">
+                    <a:srgbClr val="808080"/>
+                  </a:outerShdw>
+                </a:effectLst>
+              </a14:hiddenEffects>
+            </a:ext>
+          </a:extLst>
+        </p:spPr>
+      </p:pic>
     </p:spTree>
   </p:cSld>
   <p:clrMapOvr>
     <a:masterClrMapping/>
   </p:clrMapOvr>
+  <p:timing>
+    <p:tnLst>
+      <p:par>
+        <p:cTn id="1" dur="indefinite" restart="never" nodeType="tmRoot">
+          <p:childTnLst>
+            <p:seq concurrent="1" nextAc="seek">
+              <p:cTn id="2" dur="indefinite" nodeType="mainSeq">
+                <p:childTnLst>
+                  <p:par>
+                    <p:cTn id="3" fill="hold" nodeType="clickPar">
+                      <p:stCondLst>
+                        <p:cond delay="indefinite"/>
+                      </p:stCondLst>
+                      <p:childTnLst>
+                        <p:par>
+                          <p:cTn id="4" fill="hold" nodeType="withGroup">
+                            <p:stCondLst>
+                              <p:cond delay="0"/>
+                            </p:stCondLst>
+                            <p:childTnLst>
+                              <p:par>
+                                <p:cTn id="5" presetID="10" presetClass="entr" presetSubtype="0" fill="hold" nodeType="clickEffect">
+                                  <p:stCondLst>
+                                    <p:cond delay="0"/>
+                                  </p:stCondLst>
+                                  <p:childTnLst>
+                                    <p:set>
+                                      <p:cBhvr>
+                                        <p:cTn id="6" dur="1" fill="hold">
+                                          <p:stCondLst>
+                                            <p:cond delay="0"/>
+                                          </p:stCondLst>
+                                        </p:cTn>
+                                        <p:tgtEl>
+                                          <p:spTgt spid="1155075"/>
+                                        </p:tgtEl>
+                                        <p:attrNameLst>
+                                          <p:attrName>style.visibility</p:attrName>
+                                        </p:attrNameLst>
+                                      </p:cBhvr>
+                                      <p:to>
+                                        <p:strVal val="visible"/>
+                                      </p:to>
+                                    </p:set>
+                                    <p:animEffect transition="in" filter="fade">
+                                      <p:cBhvr>
+                                        <p:cTn id="7" dur="500"/>
+                                        <p:tgtEl>
+                                          <p:spTgt spid="1155075"/>
+                                        </p:tgtEl>
+                                      </p:cBhvr>
+                                    </p:animEffect>
+                                  </p:childTnLst>
+                                </p:cTn>
+                              </p:par>
+                            </p:childTnLst>
+                          </p:cTn>
+                        </p:par>
+                      </p:childTnLst>
+                    </p:cTn>
+                  </p:par>
+                </p:childTnLst>
+              </p:cTn>
+              <p:prevCondLst>
+                <p:cond evt="onPrev" delay="0">
+                  <p:tgtEl>
+                    <p:sldTgt/>
+                  </p:tgtEl>
+                </p:cond>
+              </p:prevCondLst>
+              <p:nextCondLst>
+                <p:cond evt="onNext" delay="0">
+                  <p:tgtEl>
+                    <p:sldTgt/>
+                  </p:tgtEl>
+                </p:cond>
+              </p:nextCondLst>
+            </p:seq>
+          </p:childTnLst>
+        </p:cTn>
+      </p:par>
+    </p:tnLst>
+  </p:timing>
 </p:sld>
 </file>
 
